--- a/през.pptx
+++ b/през.pptx
@@ -9,6 +9,8 @@
     <p:sldId id="257" r:id="rId3"/>
     <p:sldId id="258" r:id="rId4"/>
     <p:sldId id="259" r:id="rId5"/>
+    <p:sldId id="260" r:id="rId6"/>
+    <p:sldId id="261" r:id="rId7"/>
   </p:sldIdLst>
   <p:sldSz cx="12192000" cy="6858000"/>
   <p:notesSz cx="6858000" cy="9144000"/>
@@ -257,7 +259,7 @@
           <a:p>
             <a:fld id="{94210D9F-94F8-6C44-9736-EEDBB60CCA0F}" type="datetimeFigureOut">
               <a:rPr lang="ru-RU" smtClean="0"/>
-              <a:t>18.04.2022</a:t>
+              <a:t>27.04.2022</a:t>
             </a:fld>
             <a:endParaRPr lang="ru-RU"/>
           </a:p>
@@ -455,7 +457,7 @@
           <a:p>
             <a:fld id="{94210D9F-94F8-6C44-9736-EEDBB60CCA0F}" type="datetimeFigureOut">
               <a:rPr lang="ru-RU" smtClean="0"/>
-              <a:t>18.04.2022</a:t>
+              <a:t>27.04.2022</a:t>
             </a:fld>
             <a:endParaRPr lang="ru-RU"/>
           </a:p>
@@ -663,7 +665,7 @@
           <a:p>
             <a:fld id="{94210D9F-94F8-6C44-9736-EEDBB60CCA0F}" type="datetimeFigureOut">
               <a:rPr lang="ru-RU" smtClean="0"/>
-              <a:t>18.04.2022</a:t>
+              <a:t>27.04.2022</a:t>
             </a:fld>
             <a:endParaRPr lang="ru-RU"/>
           </a:p>
@@ -861,7 +863,7 @@
           <a:p>
             <a:fld id="{94210D9F-94F8-6C44-9736-EEDBB60CCA0F}" type="datetimeFigureOut">
               <a:rPr lang="ru-RU" smtClean="0"/>
-              <a:t>18.04.2022</a:t>
+              <a:t>27.04.2022</a:t>
             </a:fld>
             <a:endParaRPr lang="ru-RU"/>
           </a:p>
@@ -1136,7 +1138,7 @@
           <a:p>
             <a:fld id="{94210D9F-94F8-6C44-9736-EEDBB60CCA0F}" type="datetimeFigureOut">
               <a:rPr lang="ru-RU" smtClean="0"/>
-              <a:t>18.04.2022</a:t>
+              <a:t>27.04.2022</a:t>
             </a:fld>
             <a:endParaRPr lang="ru-RU"/>
           </a:p>
@@ -1401,7 +1403,7 @@
           <a:p>
             <a:fld id="{94210D9F-94F8-6C44-9736-EEDBB60CCA0F}" type="datetimeFigureOut">
               <a:rPr lang="ru-RU" smtClean="0"/>
-              <a:t>18.04.2022</a:t>
+              <a:t>27.04.2022</a:t>
             </a:fld>
             <a:endParaRPr lang="ru-RU"/>
           </a:p>
@@ -1813,7 +1815,7 @@
           <a:p>
             <a:fld id="{94210D9F-94F8-6C44-9736-EEDBB60CCA0F}" type="datetimeFigureOut">
               <a:rPr lang="ru-RU" smtClean="0"/>
-              <a:t>18.04.2022</a:t>
+              <a:t>27.04.2022</a:t>
             </a:fld>
             <a:endParaRPr lang="ru-RU"/>
           </a:p>
@@ -1954,7 +1956,7 @@
           <a:p>
             <a:fld id="{94210D9F-94F8-6C44-9736-EEDBB60CCA0F}" type="datetimeFigureOut">
               <a:rPr lang="ru-RU" smtClean="0"/>
-              <a:t>18.04.2022</a:t>
+              <a:t>27.04.2022</a:t>
             </a:fld>
             <a:endParaRPr lang="ru-RU"/>
           </a:p>
@@ -2067,7 +2069,7 @@
           <a:p>
             <a:fld id="{94210D9F-94F8-6C44-9736-EEDBB60CCA0F}" type="datetimeFigureOut">
               <a:rPr lang="ru-RU" smtClean="0"/>
-              <a:t>18.04.2022</a:t>
+              <a:t>27.04.2022</a:t>
             </a:fld>
             <a:endParaRPr lang="ru-RU"/>
           </a:p>
@@ -2378,7 +2380,7 @@
           <a:p>
             <a:fld id="{94210D9F-94F8-6C44-9736-EEDBB60CCA0F}" type="datetimeFigureOut">
               <a:rPr lang="ru-RU" smtClean="0"/>
-              <a:t>18.04.2022</a:t>
+              <a:t>27.04.2022</a:t>
             </a:fld>
             <a:endParaRPr lang="ru-RU"/>
           </a:p>
@@ -2666,7 +2668,7 @@
           <a:p>
             <a:fld id="{94210D9F-94F8-6C44-9736-EEDBB60CCA0F}" type="datetimeFigureOut">
               <a:rPr lang="ru-RU" smtClean="0"/>
-              <a:t>18.04.2022</a:t>
+              <a:t>27.04.2022</a:t>
             </a:fld>
             <a:endParaRPr lang="ru-RU"/>
           </a:p>
@@ -2907,7 +2909,7 @@
           <a:p>
             <a:fld id="{94210D9F-94F8-6C44-9736-EEDBB60CCA0F}" type="datetimeFigureOut">
               <a:rPr lang="ru-RU" smtClean="0"/>
-              <a:t>18.04.2022</a:t>
+              <a:t>27.04.2022</a:t>
             </a:fld>
             <a:endParaRPr lang="ru-RU"/>
           </a:p>
@@ -3456,8 +3458,8 @@
           <a:lstStyle/>
           <a:p>
             <a:r>
-              <a:rPr lang="ru-RU"/>
-              <a:t>Техническая состауляющая</a:t>
+              <a:rPr lang="ru-RU" dirty="0"/>
+              <a:t>Техническая составляющая</a:t>
             </a:r>
           </a:p>
         </p:txBody>
@@ -3492,7 +3494,7 @@
               <a:buAutoNum type="arabicPeriod"/>
             </a:pPr>
             <a:r>
-              <a:rPr lang="ru-RU"/>
+              <a:rPr lang="ru-RU" dirty="0"/>
               <a:t>Python</a:t>
             </a:r>
           </a:p>
@@ -3501,17 +3503,30 @@
               <a:buAutoNum type="arabicPeriod"/>
             </a:pPr>
             <a:r>
-              <a:rPr lang="ru-RU"/>
+              <a:rPr lang="ru-RU" dirty="0" err="1"/>
               <a:t>Flask</a:t>
             </a:r>
+            <a:endParaRPr lang="ru-RU" dirty="0"/>
           </a:p>
           <a:p>
             <a:pPr marL="514350" indent="-514350">
               <a:buAutoNum type="arabicPeriod"/>
             </a:pPr>
             <a:r>
-              <a:rPr lang="ru-RU"/>
-              <a:t>Sqlalchemy (orm модели)</a:t>
+              <a:rPr lang="ru-RU" dirty="0" err="1"/>
+              <a:t>Sqlalchemy</a:t>
+            </a:r>
+            <a:r>
+              <a:rPr lang="ru-RU" dirty="0"/>
+              <a:t> (</a:t>
+            </a:r>
+            <a:r>
+              <a:rPr lang="ru-RU" dirty="0" err="1"/>
+              <a:t>orm</a:t>
+            </a:r>
+            <a:r>
+              <a:rPr lang="ru-RU" dirty="0"/>
+              <a:t> модели)</a:t>
             </a:r>
           </a:p>
           <a:p>
@@ -3519,25 +3534,35 @@
               <a:buAutoNum type="arabicPeriod"/>
             </a:pPr>
             <a:r>
-              <a:rPr lang="ru-RU"/>
+              <a:rPr lang="ru-RU" dirty="0" err="1"/>
               <a:t>wtforms</a:t>
             </a:r>
+            <a:endParaRPr lang="ru-RU" dirty="0"/>
           </a:p>
           <a:p>
             <a:pPr marL="514350" indent="-514350">
               <a:buAutoNum type="arabicPeriod"/>
             </a:pPr>
             <a:r>
-              <a:rPr lang="ru-RU"/>
-              <a:t>Api Яндекс.Карты</a:t>
-            </a:r>
+              <a:rPr lang="ru-RU" dirty="0" err="1"/>
+              <a:t>Api</a:t>
+            </a:r>
+            <a:r>
+              <a:rPr lang="ru-RU" dirty="0"/>
+              <a:t> </a:t>
+            </a:r>
+            <a:r>
+              <a:rPr lang="ru-RU" dirty="0" err="1"/>
+              <a:t>Яндекс.Карты</a:t>
+            </a:r>
+            <a:endParaRPr lang="ru-RU" dirty="0"/>
           </a:p>
           <a:p>
             <a:pPr marL="514350" indent="-514350">
               <a:buAutoNum type="arabicPeriod"/>
             </a:pPr>
             <a:r>
-              <a:rPr lang="ru-RU"/>
+              <a:rPr lang="ru-RU" dirty="0"/>
               <a:t>БД</a:t>
             </a:r>
           </a:p>
@@ -3545,19 +3570,19 @@
             <a:pPr marL="0" indent="0">
               <a:buNone/>
             </a:pPr>
-            <a:endParaRPr lang="ru-RU"/>
+            <a:endParaRPr lang="ru-RU" dirty="0"/>
           </a:p>
           <a:p>
             <a:pPr marL="514350" indent="-514350">
               <a:buAutoNum type="arabicPeriod"/>
             </a:pPr>
-            <a:endParaRPr lang="ru-RU"/>
+            <a:endParaRPr lang="ru-RU" dirty="0"/>
           </a:p>
           <a:p>
             <a:pPr marL="514350" indent="-514350">
               <a:buAutoNum type="arabicPeriod"/>
             </a:pPr>
-            <a:endParaRPr lang="ru-RU"/>
+            <a:endParaRPr lang="ru-RU" dirty="0"/>
           </a:p>
         </p:txBody>
       </p:sp>
@@ -3794,6 +3819,224 @@
     <p:extLst>
       <p:ext uri="{BB962C8B-B14F-4D97-AF65-F5344CB8AC3E}">
         <p14:creationId xmlns:p14="http://schemas.microsoft.com/office/powerpoint/2010/main" val="764607877"/>
+      </p:ext>
+    </p:extLst>
+  </p:cSld>
+  <p:clrMapOvr>
+    <a:masterClrMapping/>
+  </p:clrMapOvr>
+</p:sld>
+</file>
+
+<file path=ppt/slides/slide5.xml><?xml version="1.0" encoding="utf-8"?>
+<p:sld xmlns:a="http://schemas.openxmlformats.org/drawingml/2006/main" xmlns:r="http://schemas.openxmlformats.org/officeDocument/2006/relationships" xmlns:p="http://schemas.openxmlformats.org/presentationml/2006/main">
+  <p:cSld>
+    <p:spTree>
+      <p:nvGrpSpPr>
+        <p:cNvPr id="1" name=""/>
+        <p:cNvGrpSpPr/>
+        <p:nvPr/>
+      </p:nvGrpSpPr>
+      <p:grpSpPr>
+        <a:xfrm>
+          <a:off x="0" y="0"/>
+          <a:ext cx="0" cy="0"/>
+          <a:chOff x="0" y="0"/>
+          <a:chExt cx="0" cy="0"/>
+        </a:xfrm>
+      </p:grpSpPr>
+      <p:sp>
+        <p:nvSpPr>
+          <p:cNvPr id="2" name="Заголовок 1">
+            <a:extLst>
+              <a:ext uri="{FF2B5EF4-FFF2-40B4-BE49-F238E27FC236}">
+                <a16:creationId xmlns:a16="http://schemas.microsoft.com/office/drawing/2014/main" id="{FF5A2A49-5513-414C-B6A2-99B3F0240648}"/>
+              </a:ext>
+            </a:extLst>
+          </p:cNvPr>
+          <p:cNvSpPr>
+            <a:spLocks noGrp="1"/>
+          </p:cNvSpPr>
+          <p:nvPr>
+            <p:ph type="title"/>
+          </p:nvPr>
+        </p:nvSpPr>
+        <p:spPr/>
+        <p:txBody>
+          <a:bodyPr/>
+          <a:lstStyle/>
+          <a:p>
+            <a:r>
+              <a:rPr lang="ru-RU" dirty="0"/>
+              <a:t>Страница этажа</a:t>
+            </a:r>
+          </a:p>
+        </p:txBody>
+      </p:sp>
+      <p:sp>
+        <p:nvSpPr>
+          <p:cNvPr id="3" name="Объект 2">
+            <a:extLst>
+              <a:ext uri="{FF2B5EF4-FFF2-40B4-BE49-F238E27FC236}">
+                <a16:creationId xmlns:a16="http://schemas.microsoft.com/office/drawing/2014/main" id="{EE840D1C-1A85-45D1-9CC3-5F112B16217F}"/>
+              </a:ext>
+            </a:extLst>
+          </p:cNvPr>
+          <p:cNvSpPr>
+            <a:spLocks noGrp="1"/>
+          </p:cNvSpPr>
+          <p:nvPr>
+            <p:ph idx="1"/>
+          </p:nvPr>
+        </p:nvSpPr>
+        <p:spPr/>
+        <p:txBody>
+          <a:bodyPr/>
+          <a:lstStyle/>
+          <a:p>
+            <a:pPr marL="514350" indent="-514350">
+              <a:buAutoNum type="arabicPeriod"/>
+            </a:pPr>
+            <a:r>
+              <a:rPr lang="ru-RU" dirty="0"/>
+              <a:t>Интерактивная карта</a:t>
+            </a:r>
+          </a:p>
+          <a:p>
+            <a:pPr marL="514350" indent="-514350">
+              <a:buAutoNum type="arabicPeriod"/>
+            </a:pPr>
+            <a:r>
+              <a:rPr lang="ru-RU" dirty="0"/>
+              <a:t>Таблица кабинетов</a:t>
+            </a:r>
+          </a:p>
+          <a:p>
+            <a:pPr marL="514350" indent="-514350">
+              <a:buAutoNum type="arabicPeriod"/>
+            </a:pPr>
+            <a:endParaRPr lang="ru-RU" dirty="0"/>
+          </a:p>
+        </p:txBody>
+      </p:sp>
+    </p:spTree>
+    <p:extLst>
+      <p:ext uri="{BB962C8B-B14F-4D97-AF65-F5344CB8AC3E}">
+        <p14:creationId xmlns:p14="http://schemas.microsoft.com/office/powerpoint/2010/main" val="86560752"/>
+      </p:ext>
+    </p:extLst>
+  </p:cSld>
+  <p:clrMapOvr>
+    <a:masterClrMapping/>
+  </p:clrMapOvr>
+</p:sld>
+</file>
+
+<file path=ppt/slides/slide6.xml><?xml version="1.0" encoding="utf-8"?>
+<p:sld xmlns:a="http://schemas.openxmlformats.org/drawingml/2006/main" xmlns:r="http://schemas.openxmlformats.org/officeDocument/2006/relationships" xmlns:p="http://schemas.openxmlformats.org/presentationml/2006/main">
+  <p:cSld>
+    <p:spTree>
+      <p:nvGrpSpPr>
+        <p:cNvPr id="1" name=""/>
+        <p:cNvGrpSpPr/>
+        <p:nvPr/>
+      </p:nvGrpSpPr>
+      <p:grpSpPr>
+        <a:xfrm>
+          <a:off x="0" y="0"/>
+          <a:ext cx="0" cy="0"/>
+          <a:chOff x="0" y="0"/>
+          <a:chExt cx="0" cy="0"/>
+        </a:xfrm>
+      </p:grpSpPr>
+      <p:sp>
+        <p:nvSpPr>
+          <p:cNvPr id="2" name="Заголовок 1">
+            <a:extLst>
+              <a:ext uri="{FF2B5EF4-FFF2-40B4-BE49-F238E27FC236}">
+                <a16:creationId xmlns:a16="http://schemas.microsoft.com/office/drawing/2014/main" id="{DB55E2CF-1C3A-4207-9CBD-B2AE892EC3AE}"/>
+              </a:ext>
+            </a:extLst>
+          </p:cNvPr>
+          <p:cNvSpPr>
+            <a:spLocks noGrp="1"/>
+          </p:cNvSpPr>
+          <p:nvPr>
+            <p:ph type="title"/>
+          </p:nvPr>
+        </p:nvSpPr>
+        <p:spPr/>
+        <p:txBody>
+          <a:bodyPr/>
+          <a:lstStyle/>
+          <a:p>
+            <a:r>
+              <a:rPr lang="ru-RU" dirty="0"/>
+              <a:t>Страница кабинета</a:t>
+            </a:r>
+          </a:p>
+        </p:txBody>
+      </p:sp>
+      <p:sp>
+        <p:nvSpPr>
+          <p:cNvPr id="3" name="Объект 2">
+            <a:extLst>
+              <a:ext uri="{FF2B5EF4-FFF2-40B4-BE49-F238E27FC236}">
+                <a16:creationId xmlns:a16="http://schemas.microsoft.com/office/drawing/2014/main" id="{393FE0B7-0F7D-4126-8062-BFE656FBAF4B}"/>
+              </a:ext>
+            </a:extLst>
+          </p:cNvPr>
+          <p:cNvSpPr>
+            <a:spLocks noGrp="1"/>
+          </p:cNvSpPr>
+          <p:nvPr>
+            <p:ph idx="1"/>
+          </p:nvPr>
+        </p:nvSpPr>
+        <p:spPr/>
+        <p:txBody>
+          <a:bodyPr/>
+          <a:lstStyle/>
+          <a:p>
+            <a:pPr marL="514350" indent="-514350">
+              <a:buAutoNum type="arabicPeriod"/>
+            </a:pPr>
+            <a:r>
+              <a:rPr lang="ru-RU" dirty="0"/>
+              <a:t>Список позиций (Выборка по типу, добавление типов и позиций)</a:t>
+            </a:r>
+          </a:p>
+          <a:p>
+            <a:pPr marL="514350" indent="-514350">
+              <a:buAutoNum type="arabicPeriod"/>
+            </a:pPr>
+            <a:r>
+              <a:rPr lang="ru-RU" dirty="0"/>
+              <a:t>Удаление</a:t>
+            </a:r>
+            <a:r>
+              <a:rPr lang="en-US" dirty="0"/>
+              <a:t>/</a:t>
+            </a:r>
+            <a:r>
+              <a:rPr lang="ru-RU" dirty="0"/>
+              <a:t>редактирование</a:t>
+            </a:r>
+            <a:r>
+              <a:rPr lang="en-US" dirty="0"/>
+              <a:t>/</a:t>
+            </a:r>
+            <a:r>
+              <a:rPr lang="ru-RU" dirty="0"/>
+              <a:t>добавление позиций</a:t>
+            </a:r>
+          </a:p>
+        </p:txBody>
+      </p:sp>
+    </p:spTree>
+    <p:extLst>
+      <p:ext uri="{BB962C8B-B14F-4D97-AF65-F5344CB8AC3E}">
+        <p14:creationId xmlns:p14="http://schemas.microsoft.com/office/powerpoint/2010/main" val="3944403473"/>
       </p:ext>
     </p:extLst>
   </p:cSld>
